--- a/documentation/figure_5_data_access.pptx
+++ b/documentation/figure_5_data_access.pptx
@@ -254,7 +254,7 @@
           <a:p>
             <a:fld id="{D223FB58-B929-BD4F-978F-875BA220C36B}" type="datetimeFigureOut">
               <a:rPr lang="en-US" smtClean="0"/>
-              <a:t>4/15/21</a:t>
+              <a:t>5/14/21</a:t>
             </a:fld>
             <a:endParaRPr lang="en-US"/>
           </a:p>
@@ -424,7 +424,7 @@
           <a:p>
             <a:fld id="{D223FB58-B929-BD4F-978F-875BA220C36B}" type="datetimeFigureOut">
               <a:rPr lang="en-US" smtClean="0"/>
-              <a:t>4/15/21</a:t>
+              <a:t>5/14/21</a:t>
             </a:fld>
             <a:endParaRPr lang="en-US"/>
           </a:p>
@@ -604,7 +604,7 @@
           <a:p>
             <a:fld id="{D223FB58-B929-BD4F-978F-875BA220C36B}" type="datetimeFigureOut">
               <a:rPr lang="en-US" smtClean="0"/>
-              <a:t>4/15/21</a:t>
+              <a:t>5/14/21</a:t>
             </a:fld>
             <a:endParaRPr lang="en-US"/>
           </a:p>
@@ -774,7 +774,7 @@
           <a:p>
             <a:fld id="{D223FB58-B929-BD4F-978F-875BA220C36B}" type="datetimeFigureOut">
               <a:rPr lang="en-US" smtClean="0"/>
-              <a:t>4/15/21</a:t>
+              <a:t>5/14/21</a:t>
             </a:fld>
             <a:endParaRPr lang="en-US"/>
           </a:p>
@@ -1018,7 +1018,7 @@
           <a:p>
             <a:fld id="{D223FB58-B929-BD4F-978F-875BA220C36B}" type="datetimeFigureOut">
               <a:rPr lang="en-US" smtClean="0"/>
-              <a:t>4/15/21</a:t>
+              <a:t>5/14/21</a:t>
             </a:fld>
             <a:endParaRPr lang="en-US"/>
           </a:p>
@@ -1250,7 +1250,7 @@
           <a:p>
             <a:fld id="{D223FB58-B929-BD4F-978F-875BA220C36B}" type="datetimeFigureOut">
               <a:rPr lang="en-US" smtClean="0"/>
-              <a:t>4/15/21</a:t>
+              <a:t>5/14/21</a:t>
             </a:fld>
             <a:endParaRPr lang="en-US"/>
           </a:p>
@@ -1617,7 +1617,7 @@
           <a:p>
             <a:fld id="{D223FB58-B929-BD4F-978F-875BA220C36B}" type="datetimeFigureOut">
               <a:rPr lang="en-US" smtClean="0"/>
-              <a:t>4/15/21</a:t>
+              <a:t>5/14/21</a:t>
             </a:fld>
             <a:endParaRPr lang="en-US"/>
           </a:p>
@@ -1735,7 +1735,7 @@
           <a:p>
             <a:fld id="{D223FB58-B929-BD4F-978F-875BA220C36B}" type="datetimeFigureOut">
               <a:rPr lang="en-US" smtClean="0"/>
-              <a:t>4/15/21</a:t>
+              <a:t>5/14/21</a:t>
             </a:fld>
             <a:endParaRPr lang="en-US"/>
           </a:p>
@@ -1830,7 +1830,7 @@
           <a:p>
             <a:fld id="{D223FB58-B929-BD4F-978F-875BA220C36B}" type="datetimeFigureOut">
               <a:rPr lang="en-US" smtClean="0"/>
-              <a:t>4/15/21</a:t>
+              <a:t>5/14/21</a:t>
             </a:fld>
             <a:endParaRPr lang="en-US"/>
           </a:p>
@@ -2107,7 +2107,7 @@
           <a:p>
             <a:fld id="{D223FB58-B929-BD4F-978F-875BA220C36B}" type="datetimeFigureOut">
               <a:rPr lang="en-US" smtClean="0"/>
-              <a:t>4/15/21</a:t>
+              <a:t>5/14/21</a:t>
             </a:fld>
             <a:endParaRPr lang="en-US"/>
           </a:p>
@@ -2364,7 +2364,7 @@
           <a:p>
             <a:fld id="{D223FB58-B929-BD4F-978F-875BA220C36B}" type="datetimeFigureOut">
               <a:rPr lang="en-US" smtClean="0"/>
-              <a:t>4/15/21</a:t>
+              <a:t>5/14/21</a:t>
             </a:fld>
             <a:endParaRPr lang="en-US"/>
           </a:p>
@@ -2577,7 +2577,7 @@
           <a:p>
             <a:fld id="{D223FB58-B929-BD4F-978F-875BA220C36B}" type="datetimeFigureOut">
               <a:rPr lang="en-US" smtClean="0"/>
-              <a:t>4/15/21</a:t>
+              <a:t>5/14/21</a:t>
             </a:fld>
             <a:endParaRPr lang="en-US"/>
           </a:p>
@@ -3021,46 +3021,6 @@
       </p:sp>
       <p:sp>
         <p:nvSpPr>
-          <p:cNvPr id="47" name="TextBox 46">
-            <a:extLst>
-              <a:ext uri="{FF2B5EF4-FFF2-40B4-BE49-F238E27FC236}">
-                <a16:creationId xmlns:a16="http://schemas.microsoft.com/office/drawing/2014/main" id="{56B4025D-35ED-6348-82A4-E370A0507AB4}"/>
-              </a:ext>
-            </a:extLst>
-          </p:cNvPr>
-          <p:cNvSpPr txBox="1"/>
-          <p:nvPr/>
-        </p:nvSpPr>
-        <p:spPr>
-          <a:xfrm>
-            <a:off x="621913" y="1031643"/>
-            <a:ext cx="1642977" cy="246221"/>
-          </a:xfrm>
-          <a:prstGeom prst="rect">
-            <a:avLst/>
-          </a:prstGeom>
-          <a:noFill/>
-        </p:spPr>
-        <p:txBody>
-          <a:bodyPr wrap="square" lIns="0" tIns="0" rIns="0" bIns="0" rtlCol="0">
-            <a:spAutoFit/>
-          </a:bodyPr>
-          <a:lstStyle/>
-          <a:p>
-            <a:r>
-              <a:rPr lang="en-US" sz="1600" dirty="0">
-                <a:latin typeface="Helvetica" pitchFamily="2" charset="0"/>
-              </a:rPr>
-              <a:t>Objective</a:t>
-            </a:r>
-            <a:endParaRPr lang="en-US" sz="1013" dirty="0">
-              <a:latin typeface="Helvetica" pitchFamily="2" charset="0"/>
-            </a:endParaRPr>
-          </a:p>
-        </p:txBody>
-      </p:sp>
-      <p:sp>
-        <p:nvSpPr>
           <p:cNvPr id="40" name="Rectangle 39">
             <a:extLst>
               <a:ext uri="{FF2B5EF4-FFF2-40B4-BE49-F238E27FC236}">
@@ -3075,7 +3035,7 @@
         </p:nvSpPr>
         <p:spPr>
           <a:xfrm>
-            <a:off x="621913" y="1331545"/>
+            <a:off x="620659" y="3932850"/>
             <a:ext cx="2413800" cy="603894"/>
           </a:xfrm>
           <a:prstGeom prst="rect">
@@ -3134,7 +3094,7 @@
         </p:nvSpPr>
         <p:spPr>
           <a:xfrm>
-            <a:off x="3695699" y="1331545"/>
+            <a:off x="3824793" y="3932850"/>
             <a:ext cx="2412548" cy="603894"/>
           </a:xfrm>
           <a:prstGeom prst="rect">
@@ -3177,66 +3137,6 @@
           </a:p>
         </p:txBody>
       </p:sp>
-      <p:sp>
-        <p:nvSpPr>
-          <p:cNvPr id="21" name="Rounded Rectangle 20">
-            <a:extLst>
-              <a:ext uri="{FF2B5EF4-FFF2-40B4-BE49-F238E27FC236}">
-                <a16:creationId xmlns:a16="http://schemas.microsoft.com/office/drawing/2014/main" id="{290FEB01-1C41-6F4A-8855-C1D6719CD799}"/>
-              </a:ext>
-            </a:extLst>
-          </p:cNvPr>
-          <p:cNvSpPr>
-            <a:spLocks noChangeAspect="1"/>
-          </p:cNvSpPr>
-          <p:nvPr/>
-        </p:nvSpPr>
-        <p:spPr>
-          <a:xfrm>
-            <a:off x="623166" y="2660112"/>
-            <a:ext cx="2412548" cy="627630"/>
-          </a:xfrm>
-          <a:prstGeom prst="roundRect">
-            <a:avLst/>
-          </a:prstGeom>
-          <a:solidFill>
-            <a:srgbClr val="009193"/>
-          </a:solidFill>
-          <a:ln>
-            <a:noFill/>
-          </a:ln>
-        </p:spPr>
-        <p:style>
-          <a:lnRef idx="2">
-            <a:schemeClr val="dk1"/>
-          </a:lnRef>
-          <a:fillRef idx="1">
-            <a:schemeClr val="lt1"/>
-          </a:fillRef>
-          <a:effectRef idx="0">
-            <a:schemeClr val="dk1"/>
-          </a:effectRef>
-          <a:fontRef idx="minor">
-            <a:schemeClr val="dk1"/>
-          </a:fontRef>
-        </p:style>
-        <p:txBody>
-          <a:bodyPr rtlCol="0" anchor="ctr" anchorCtr="0"/>
-          <a:lstStyle/>
-          <a:p>
-            <a:pPr algn="ctr"/>
-            <a:r>
-              <a:rPr lang="en-US" sz="1200" dirty="0">
-                <a:solidFill>
-                  <a:schemeClr val="bg1"/>
-                </a:solidFill>
-                <a:latin typeface="Helvetica" pitchFamily="2" charset="0"/>
-              </a:rPr>
-              <a:t>Identify subset of tiles using footprints</a:t>
-            </a:r>
-          </a:p>
-        </p:txBody>
-      </p:sp>
       <p:cxnSp>
         <p:nvCxnSpPr>
           <p:cNvPr id="23" name="Straight Arrow Connector 22">
@@ -3248,15 +3148,15 @@
           </p:cNvPr>
           <p:cNvCxnSpPr>
             <a:cxnSpLocks/>
-            <a:stCxn id="40" idx="2"/>
-            <a:endCxn id="21" idx="0"/>
+            <a:stCxn id="52" idx="2"/>
+            <a:endCxn id="53" idx="0"/>
           </p:cNvCxnSpPr>
           <p:nvPr/>
         </p:nvCxnSpPr>
         <p:spPr>
           <a:xfrm>
-            <a:off x="1828814" y="1935439"/>
-            <a:ext cx="627" cy="724673"/>
+            <a:off x="3429000" y="1749125"/>
+            <a:ext cx="0" cy="719247"/>
           </a:xfrm>
           <a:prstGeom prst="straightConnector1">
             <a:avLst/>
@@ -3284,66 +3184,6 @@
           </a:fontRef>
         </p:style>
       </p:cxnSp>
-      <p:sp>
-        <p:nvSpPr>
-          <p:cNvPr id="49" name="Rounded Rectangle 48">
-            <a:extLst>
-              <a:ext uri="{FF2B5EF4-FFF2-40B4-BE49-F238E27FC236}">
-                <a16:creationId xmlns:a16="http://schemas.microsoft.com/office/drawing/2014/main" id="{98D36B33-A2D5-8D45-8172-B2D5D1C2F9D5}"/>
-              </a:ext>
-            </a:extLst>
-          </p:cNvPr>
-          <p:cNvSpPr>
-            <a:spLocks noChangeAspect="1"/>
-          </p:cNvSpPr>
-          <p:nvPr/>
-        </p:nvSpPr>
-        <p:spPr>
-          <a:xfrm>
-            <a:off x="621912" y="4012415"/>
-            <a:ext cx="2412548" cy="627630"/>
-          </a:xfrm>
-          <a:prstGeom prst="roundRect">
-            <a:avLst/>
-          </a:prstGeom>
-          <a:solidFill>
-            <a:srgbClr val="009193"/>
-          </a:solidFill>
-          <a:ln>
-            <a:noFill/>
-          </a:ln>
-        </p:spPr>
-        <p:style>
-          <a:lnRef idx="2">
-            <a:schemeClr val="dk1"/>
-          </a:lnRef>
-          <a:fillRef idx="1">
-            <a:schemeClr val="lt1"/>
-          </a:fillRef>
-          <a:effectRef idx="0">
-            <a:schemeClr val="dk1"/>
-          </a:effectRef>
-          <a:fontRef idx="minor">
-            <a:schemeClr val="dk1"/>
-          </a:fontRef>
-        </p:style>
-        <p:txBody>
-          <a:bodyPr rtlCol="0" anchor="ctr" anchorCtr="0"/>
-          <a:lstStyle/>
-          <a:p>
-            <a:pPr algn="ctr"/>
-            <a:r>
-              <a:rPr lang="en-US" sz="1200" dirty="0">
-                <a:solidFill>
-                  <a:schemeClr val="bg1"/>
-                </a:solidFill>
-                <a:latin typeface="Helvetica" pitchFamily="2" charset="0"/>
-              </a:rPr>
-              <a:t>Identify variables of interest</a:t>
-            </a:r>
-          </a:p>
-        </p:txBody>
-      </p:sp>
       <p:sp>
         <p:nvSpPr>
           <p:cNvPr id="51" name="Rounded Rectangle 50">
@@ -3393,22 +3233,13 @@
           <a:p>
             <a:pPr algn="ctr"/>
             <a:r>
-              <a:rPr lang="en-US" sz="1200" dirty="0">
-                <a:solidFill>
-                  <a:schemeClr val="bg1"/>
-                </a:solidFill>
-                <a:latin typeface="Helvetica" pitchFamily="2" charset="0"/>
-              </a:rPr>
-              <a:t>Download </a:t>
-            </a:r>
-            <a:r>
               <a:rPr lang="en-US" sz="1200" b="1" dirty="0">
                 <a:solidFill>
                   <a:schemeClr val="bg1"/>
                 </a:solidFill>
                 <a:latin typeface="Helvetica" pitchFamily="2" charset="0"/>
               </a:rPr>
-              <a:t>selected</a:t>
+              <a:t>Select</a:t>
             </a:r>
             <a:r>
               <a:rPr lang="en-US" sz="1200" dirty="0">
@@ -3435,19 +3266,7 @@
                 </a:solidFill>
                 <a:latin typeface="Helvetica" pitchFamily="2" charset="0"/>
               </a:rPr>
-              <a:t> </a:t>
-            </a:r>
-          </a:p>
-          <a:p>
-            <a:pPr algn="ctr"/>
-            <a:r>
-              <a:rPr lang="en-US" sz="1200" dirty="0">
-                <a:solidFill>
-                  <a:schemeClr val="bg1"/>
-                </a:solidFill>
-                <a:latin typeface="Helvetica" pitchFamily="2" charset="0"/>
-              </a:rPr>
-              <a:t>for each variable</a:t>
+              <a:t> and subset data</a:t>
             </a:r>
           </a:p>
         </p:txBody>
@@ -3468,7 +3287,7 @@
         </p:nvSpPr>
         <p:spPr>
           <a:xfrm>
-            <a:off x="3695699" y="4012415"/>
+            <a:off x="2222726" y="1121495"/>
             <a:ext cx="2412548" cy="627630"/>
           </a:xfrm>
           <a:prstGeom prst="roundRect">
@@ -3507,7 +3326,7 @@
                 </a:solidFill>
                 <a:latin typeface="Helvetica" pitchFamily="2" charset="0"/>
               </a:rPr>
-              <a:t>Identify variables of interest</a:t>
+              <a:t>Identify variable(s) of interest</a:t>
             </a:r>
           </a:p>
         </p:txBody>
@@ -3528,7 +3347,7 @@
         </p:nvSpPr>
         <p:spPr>
           <a:xfrm>
-            <a:off x="3695699" y="5364718"/>
+            <a:off x="2222726" y="2468372"/>
             <a:ext cx="2412548" cy="627630"/>
           </a:xfrm>
           <a:prstGeom prst="roundRect">
@@ -3567,16 +3386,16 @@
                 </a:solidFill>
                 <a:latin typeface="Helvetica" pitchFamily="2" charset="0"/>
               </a:rPr>
-              <a:t>Download </a:t>
-            </a:r>
-            <a:r>
-              <a:rPr lang="en-US" sz="1200" b="1" dirty="0">
+              <a:t>Download variable(s) from </a:t>
+            </a:r>
+            <a:r>
+              <a:rPr lang="en-US" sz="1200" dirty="0" err="1">
                 <a:solidFill>
                   <a:schemeClr val="bg1"/>
                 </a:solidFill>
                 <a:latin typeface="Helvetica" pitchFamily="2" charset="0"/>
               </a:rPr>
-              <a:t>all</a:t>
+              <a:t>Zenodo</a:t>
             </a:r>
             <a:r>
               <a:rPr lang="en-US" sz="1200" dirty="0">
@@ -3585,37 +3404,7 @@
                 </a:solidFill>
                 <a:latin typeface="Helvetica" pitchFamily="2" charset="0"/>
               </a:rPr>
-              <a:t> </a:t>
-            </a:r>
-            <a:r>
-              <a:rPr lang="en-US" sz="1200" b="1" dirty="0">
-                <a:solidFill>
-                  <a:schemeClr val="bg1"/>
-                </a:solidFill>
-                <a:latin typeface="Helvetica" pitchFamily="2" charset="0"/>
-              </a:rPr>
-              <a:t>tiles</a:t>
-            </a:r>
-            <a:r>
-              <a:rPr lang="en-US" sz="1200" dirty="0">
-                <a:solidFill>
-                  <a:schemeClr val="bg1"/>
-                </a:solidFill>
-                <a:latin typeface="Helvetica" pitchFamily="2" charset="0"/>
-              </a:rPr>
-              <a:t> </a:t>
-            </a:r>
-          </a:p>
-          <a:p>
-            <a:pPr algn="ctr"/>
-            <a:r>
-              <a:rPr lang="en-US" sz="1200" dirty="0">
-                <a:solidFill>
-                  <a:schemeClr val="bg1"/>
-                </a:solidFill>
-                <a:latin typeface="Helvetica" pitchFamily="2" charset="0"/>
-              </a:rPr>
-              <a:t>for each variable</a:t>
+              <a:t> and decompress tiles</a:t>
             </a:r>
           </a:p>
         </p:txBody>
@@ -3708,7 +3497,7 @@
         </p:nvSpPr>
         <p:spPr>
           <a:xfrm>
-            <a:off x="3695699" y="6717021"/>
+            <a:off x="3823540" y="6717022"/>
             <a:ext cx="2412548" cy="627630"/>
           </a:xfrm>
           <a:prstGeom prst="roundRect">
@@ -3763,15 +3552,14 @@
           </p:cNvPr>
           <p:cNvCxnSpPr>
             <a:cxnSpLocks/>
-            <a:stCxn id="21" idx="2"/>
-            <a:endCxn id="49" idx="0"/>
+            <a:endCxn id="40" idx="0"/>
           </p:cNvCxnSpPr>
           <p:nvPr/>
         </p:nvCxnSpPr>
         <p:spPr>
           <a:xfrm flipH="1">
-            <a:off x="1828186" y="3287743"/>
-            <a:ext cx="1254" cy="724673"/>
+            <a:off x="1827559" y="3096002"/>
+            <a:ext cx="1072225" cy="836848"/>
           </a:xfrm>
           <a:prstGeom prst="straightConnector1">
             <a:avLst/>
@@ -3810,15 +3598,14 @@
           </p:cNvPr>
           <p:cNvCxnSpPr>
             <a:cxnSpLocks/>
-            <a:stCxn id="49" idx="2"/>
             <a:endCxn id="51" idx="0"/>
           </p:cNvCxnSpPr>
           <p:nvPr/>
         </p:nvCxnSpPr>
         <p:spPr>
           <a:xfrm>
-            <a:off x="1828186" y="4640046"/>
-            <a:ext cx="0" cy="724673"/>
+            <a:off x="1828186" y="4588443"/>
+            <a:ext cx="0" cy="776275"/>
           </a:xfrm>
           <a:prstGeom prst="straightConnector1">
             <a:avLst/>
@@ -3895,24 +3682,23 @@
       </p:cxnSp>
       <p:cxnSp>
         <p:nvCxnSpPr>
-          <p:cNvPr id="62" name="Straight Arrow Connector 61">
+          <p:cNvPr id="30" name="Straight Arrow Connector 29">
             <a:extLst>
               <a:ext uri="{FF2B5EF4-FFF2-40B4-BE49-F238E27FC236}">
-                <a16:creationId xmlns:a16="http://schemas.microsoft.com/office/drawing/2014/main" id="{D8BE123A-4D98-524C-A55E-4C0C9F4E0646}"/>
+                <a16:creationId xmlns:a16="http://schemas.microsoft.com/office/drawing/2014/main" id="{41FEBC19-A077-5C46-A86E-0DE62C1B59F6}"/>
               </a:ext>
             </a:extLst>
           </p:cNvPr>
           <p:cNvCxnSpPr>
             <a:cxnSpLocks/>
-            <a:stCxn id="42" idx="2"/>
-            <a:endCxn id="52" idx="0"/>
+            <a:endCxn id="42" idx="0"/>
           </p:cNvCxnSpPr>
           <p:nvPr/>
         </p:nvCxnSpPr>
         <p:spPr>
           <a:xfrm>
-            <a:off x="4901973" y="1935439"/>
-            <a:ext cx="0" cy="2076976"/>
+            <a:off x="3958218" y="3096002"/>
+            <a:ext cx="1072849" cy="836848"/>
           </a:xfrm>
           <a:prstGeom prst="straightConnector1">
             <a:avLst/>
@@ -3940,72 +3726,63 @@
           </a:fontRef>
         </p:style>
       </p:cxnSp>
-      <p:cxnSp>
-        <p:nvCxnSpPr>
-          <p:cNvPr id="67" name="Straight Arrow Connector 66">
+      <p:sp>
+        <p:nvSpPr>
+          <p:cNvPr id="39" name="TextBox 38">
             <a:extLst>
               <a:ext uri="{FF2B5EF4-FFF2-40B4-BE49-F238E27FC236}">
-                <a16:creationId xmlns:a16="http://schemas.microsoft.com/office/drawing/2014/main" id="{596C52AF-2699-DB43-837E-FBD692407D93}"/>
+                <a16:creationId xmlns:a16="http://schemas.microsoft.com/office/drawing/2014/main" id="{54F090C0-BF1A-DF41-B50F-3FE52608524F}"/>
               </a:ext>
             </a:extLst>
           </p:cNvPr>
-          <p:cNvCxnSpPr>
-            <a:stCxn id="52" idx="2"/>
-            <a:endCxn id="53" idx="0"/>
-          </p:cNvCxnSpPr>
+          <p:cNvSpPr txBox="1"/>
           <p:nvPr/>
-        </p:nvCxnSpPr>
+        </p:nvSpPr>
         <p:spPr>
           <a:xfrm>
-            <a:off x="4901973" y="4640046"/>
-            <a:ext cx="0" cy="724673"/>
+            <a:off x="620659" y="3560930"/>
+            <a:ext cx="3808824" cy="246221"/>
           </a:xfrm>
-          <a:prstGeom prst="straightConnector1">
+          <a:prstGeom prst="rect">
             <a:avLst/>
           </a:prstGeom>
-          <a:ln w="38100">
-            <a:solidFill>
-              <a:schemeClr val="tx2"/>
-            </a:solidFill>
-            <a:prstDash val="sysDot"/>
-            <a:tailEnd type="triangle" w="med" len="lg"/>
-          </a:ln>
+          <a:noFill/>
         </p:spPr>
-        <p:style>
-          <a:lnRef idx="1">
-            <a:schemeClr val="accent1"/>
-          </a:lnRef>
-          <a:fillRef idx="0">
-            <a:schemeClr val="accent1"/>
-          </a:fillRef>
-          <a:effectRef idx="0">
-            <a:schemeClr val="accent1"/>
-          </a:effectRef>
-          <a:fontRef idx="minor">
-            <a:schemeClr val="tx1"/>
-          </a:fontRef>
-        </p:style>
-      </p:cxnSp>
+        <p:txBody>
+          <a:bodyPr wrap="square" lIns="0" tIns="0" rIns="0" bIns="0" rtlCol="0">
+            <a:spAutoFit/>
+          </a:bodyPr>
+          <a:lstStyle/>
+          <a:p>
+            <a:r>
+              <a:rPr lang="en-US" sz="1600" dirty="0">
+                <a:latin typeface="Helvetica" pitchFamily="2" charset="0"/>
+              </a:rPr>
+              <a:t>Objective</a:t>
+            </a:r>
+          </a:p>
+        </p:txBody>
+      </p:sp>
       <p:cxnSp>
         <p:nvCxnSpPr>
-          <p:cNvPr id="70" name="Straight Arrow Connector 69">
+          <p:cNvPr id="43" name="Straight Arrow Connector 42">
             <a:extLst>
               <a:ext uri="{FF2B5EF4-FFF2-40B4-BE49-F238E27FC236}">
-                <a16:creationId xmlns:a16="http://schemas.microsoft.com/office/drawing/2014/main" id="{3058F38E-7191-794B-8E7E-6240B7EA0543}"/>
+                <a16:creationId xmlns:a16="http://schemas.microsoft.com/office/drawing/2014/main" id="{E7ECEE60-915E-7047-9C2C-988A094988CF}"/>
               </a:ext>
             </a:extLst>
           </p:cNvPr>
           <p:cNvCxnSpPr>
             <a:cxnSpLocks/>
-            <a:stCxn id="53" idx="2"/>
+            <a:stCxn id="42" idx="2"/>
             <a:endCxn id="57" idx="0"/>
           </p:cNvCxnSpPr>
           <p:nvPr/>
         </p:nvCxnSpPr>
         <p:spPr>
-          <a:xfrm>
-            <a:off x="4901973" y="5992349"/>
-            <a:ext cx="0" cy="724673"/>
+          <a:xfrm flipH="1">
+            <a:off x="5029814" y="4536744"/>
+            <a:ext cx="1253" cy="2180278"/>
           </a:xfrm>
           <a:prstGeom prst="straightConnector1">
             <a:avLst/>
